--- a/paper_figs.pptx
+++ b/paper_figs.pptx
@@ -3619,7 +3619,7 @@
         </p:nvSpPr>
         <p:spPr>
           <a:xfrm>
-            <a:off x="4781143" y="1992210"/>
+            <a:off x="4809160" y="1992210"/>
             <a:ext cx="2178997" cy="475488"/>
           </a:xfrm>
           <a:prstGeom prst="roundRect">
@@ -3770,7 +3770,7 @@
         </p:nvSpPr>
         <p:spPr>
           <a:xfrm>
-            <a:off x="7003916" y="2001936"/>
+            <a:off x="6958070" y="2001936"/>
             <a:ext cx="1641030" cy="475488"/>
           </a:xfrm>
           <a:prstGeom prst="roundRect">
@@ -3921,8 +3921,8 @@
         </p:nvSpPr>
         <p:spPr>
           <a:xfrm rot="5400000">
-            <a:off x="5804955" y="1783323"/>
-            <a:ext cx="165920" cy="1267448"/>
+            <a:off x="5809699" y="1804475"/>
+            <a:ext cx="165920" cy="1225143"/>
           </a:xfrm>
           <a:prstGeom prst="leftBrace">
             <a:avLst/>
@@ -4067,8 +4067,8 @@
         </p:nvSpPr>
         <p:spPr>
           <a:xfrm rot="5400000">
-            <a:off x="7697075" y="1150363"/>
-            <a:ext cx="177187" cy="2522106"/>
+            <a:off x="7693994" y="1134059"/>
+            <a:ext cx="177187" cy="2554717"/>
           </a:xfrm>
           <a:prstGeom prst="leftBrace">
             <a:avLst/>
@@ -4424,14 +4424,14 @@
           <p:nvPr>
             <p:extLst>
               <p:ext uri="{D42A27DB-BD31-4B8C-83A1-F6EECF244321}">
-                <p14:modId xmlns:p14="http://schemas.microsoft.com/office/powerpoint/2010/main" val="2440717693"/>
+                <p14:modId xmlns:p14="http://schemas.microsoft.com/office/powerpoint/2010/main" val="639862990"/>
               </p:ext>
             </p:extLst>
           </p:nvPr>
         </p:nvGraphicFramePr>
         <p:xfrm>
-          <a:off x="4695218" y="2569792"/>
-          <a:ext cx="4370961" cy="1467926"/>
+          <a:off x="4695218" y="2569793"/>
+          <a:ext cx="4374917" cy="1633779"/>
         </p:xfrm>
         <a:graphic>
           <a:graphicData uri="http://schemas.openxmlformats.org/drawingml/2006/table">
@@ -4440,50 +4440,57 @@
                 <a:tableStyleId>{5940675A-B579-460E-94D1-54222C63F5DA}</a:tableStyleId>
               </a:tblPr>
               <a:tblGrid>
-                <a:gridCol w="577173">
+                <a:gridCol w="589130">
                   <a:extLst>
                     <a:ext uri="{9D8B030D-6E8A-4147-A177-3AD203B41FA5}">
                       <a16:colId xmlns:a16="http://schemas.microsoft.com/office/drawing/2014/main" val="3370126932"/>
                     </a:ext>
                   </a:extLst>
                 </a:gridCol>
-                <a:gridCol w="525294">
+                <a:gridCol w="523675">
                   <a:extLst>
                     <a:ext uri="{9D8B030D-6E8A-4147-A177-3AD203B41FA5}">
                       <a16:colId xmlns:a16="http://schemas.microsoft.com/office/drawing/2014/main" val="3312417619"/>
                     </a:ext>
                   </a:extLst>
                 </a:gridCol>
-                <a:gridCol w="719847">
+                <a:gridCol w="702812">
                   <a:extLst>
                     <a:ext uri="{9D8B030D-6E8A-4147-A177-3AD203B41FA5}">
                       <a16:colId xmlns:a16="http://schemas.microsoft.com/office/drawing/2014/main" val="2953135660"/>
                     </a:ext>
                   </a:extLst>
                 </a:gridCol>
-                <a:gridCol w="1055131">
+                <a:gridCol w="1015171">
                   <a:extLst>
                     <a:ext uri="{9D8B030D-6E8A-4147-A177-3AD203B41FA5}">
                       <a16:colId xmlns:a16="http://schemas.microsoft.com/office/drawing/2014/main" val="3008583490"/>
                     </a:ext>
                   </a:extLst>
                 </a:gridCol>
-                <a:gridCol w="658632">
+                <a:gridCol w="560958">
                   <a:extLst>
                     <a:ext uri="{9D8B030D-6E8A-4147-A177-3AD203B41FA5}">
                       <a16:colId xmlns:a16="http://schemas.microsoft.com/office/drawing/2014/main" val="822219629"/>
                     </a:ext>
                   </a:extLst>
                 </a:gridCol>
-                <a:gridCol w="834884">
+                <a:gridCol w="702993">
                   <a:extLst>
                     <a:ext uri="{9D8B030D-6E8A-4147-A177-3AD203B41FA5}">
                       <a16:colId xmlns:a16="http://schemas.microsoft.com/office/drawing/2014/main" val="4077969923"/>
                     </a:ext>
                   </a:extLst>
                 </a:gridCol>
+                <a:gridCol w="280178">
+                  <a:extLst>
+                    <a:ext uri="{9D8B030D-6E8A-4147-A177-3AD203B41FA5}">
+                      <a16:colId xmlns:a16="http://schemas.microsoft.com/office/drawing/2014/main" val="3016640152"/>
+                    </a:ext>
+                  </a:extLst>
+                </a:gridCol>
               </a:tblGrid>
-              <a:tr h="432791">
+              <a:tr h="483602">
                 <a:tc>
                   <a:txBody>
                     <a:bodyPr/>
@@ -4541,12 +4548,8 @@
                     <a:lstStyle/>
                     <a:p>
                       <a:r>
-                        <a:rPr lang="en-US" sz="1400" b="0" dirty="0" err="1"/>
-                        <a:t>Pheno</a:t>
-                      </a:r>
-                      <a:r>
                         <a:rPr lang="en-US" sz="1400" b="0" dirty="0"/>
-                        <a:t>. (HPO)</a:t>
+                        <a:t>Pheno. (HPO)</a:t>
                       </a:r>
                     </a:p>
                   </a:txBody>
@@ -4579,8 +4582,25 @@
                     <a:lstStyle/>
                     <a:p>
                       <a:r>
-                        <a:rPr lang="en-US" sz="1400" b="0"/>
+                        <a:rPr lang="en-US" sz="1400" b="0" dirty="0"/>
                         <a:t>Variant type</a:t>
+                      </a:r>
+                    </a:p>
+                  </a:txBody>
+                  <a:tcPr marL="57476" marR="57476" marT="56907" marB="56907">
+                    <a:solidFill>
+                      <a:schemeClr val="bg1"/>
+                    </a:solidFill>
+                  </a:tcPr>
+                </a:tc>
+                <a:tc>
+                  <a:txBody>
+                    <a:bodyPr/>
+                    <a:lstStyle/>
+                    <a:p>
+                      <a:r>
+                        <a:rPr lang="en-US" sz="1400" b="0" dirty="0"/>
+                        <a:t>…</a:t>
                       </a:r>
                     </a:p>
                   </a:txBody>
@@ -4596,7 +4616,7 @@
                   </a:ext>
                 </a:extLst>
               </a:tr>
-              <a:tr h="256378">
+              <a:tr h="221937">
                 <a:tc>
                   <a:txBody>
                     <a:bodyPr/>
@@ -4713,11 +4733,28 @@
                     <a:p>
                       <a:pPr algn="l"/>
                       <a:r>
-                        <a:rPr lang="en-US" sz="1000" b="0">
+                        <a:rPr lang="en-US" sz="1000" b="0" dirty="0">
                           <a:effectLst/>
                         </a:rPr>
                         <a:t>missense</a:t>
                       </a:r>
+                    </a:p>
+                  </a:txBody>
+                  <a:tcPr marL="45720" marR="45720" marT="18288" marB="18288" anchor="ctr">
+                    <a:solidFill>
+                      <a:schemeClr val="bg1"/>
+                    </a:solidFill>
+                  </a:tcPr>
+                </a:tc>
+                <a:tc>
+                  <a:txBody>
+                    <a:bodyPr/>
+                    <a:lstStyle/>
+                    <a:p>
+                      <a:pPr algn="l"/>
+                      <a:endParaRPr lang="en-US" sz="1000" b="0" dirty="0">
+                        <a:effectLst/>
+                      </a:endParaRPr>
                     </a:p>
                   </a:txBody>
                   <a:tcPr marL="45720" marR="45720" marT="18288" marB="18288" anchor="ctr">
@@ -4732,7 +4769,7 @@
                   </a:ext>
                 </a:extLst>
               </a:tr>
-              <a:tr h="335507">
+              <a:tr h="290436">
                 <a:tc>
                   <a:txBody>
                     <a:bodyPr/>
@@ -4740,22 +4777,13 @@
                     <a:p>
                       <a:pPr algn="l"/>
                       <a:r>
-                        <a:rPr lang="en-US" sz="1000" b="0" u="sng" strike="noStrike" dirty="0" err="1">
-                          <a:solidFill>
-                            <a:schemeClr val="tx1"/>
-                          </a:solidFill>
-                          <a:effectLst/>
-                        </a:rPr>
-                        <a:t>Gauo</a:t>
-                      </a:r>
-                      <a:r>
                         <a:rPr lang="en-US" sz="1000" b="0" u="sng" strike="noStrike" dirty="0">
                           <a:solidFill>
                             <a:schemeClr val="tx1"/>
                           </a:solidFill>
                           <a:effectLst/>
                         </a:rPr>
-                        <a:t>…</a:t>
+                        <a:t>Gauo…</a:t>
                       </a:r>
                       <a:endParaRPr lang="en-US" sz="1000" b="0" u="sng" dirty="0">
                         <a:solidFill>
@@ -4871,13 +4899,30 @@
                     </a:solidFill>
                   </a:tcPr>
                 </a:tc>
+                <a:tc>
+                  <a:txBody>
+                    <a:bodyPr/>
+                    <a:lstStyle/>
+                    <a:p>
+                      <a:pPr algn="l"/>
+                      <a:endParaRPr lang="en-US" sz="1000" b="0" dirty="0">
+                        <a:effectLst/>
+                      </a:endParaRPr>
+                    </a:p>
+                  </a:txBody>
+                  <a:tcPr marL="45720" marR="45720" marT="18288" marB="18288" anchor="ctr">
+                    <a:solidFill>
+                      <a:schemeClr val="bg1"/>
+                    </a:solidFill>
+                  </a:tcPr>
+                </a:tc>
                 <a:extLst>
                   <a:ext uri="{0D108BD9-81ED-4DB2-BD59-A6C34878D82A}">
                     <a16:rowId xmlns:a16="http://schemas.microsoft.com/office/drawing/2014/main" val="1900221817"/>
                   </a:ext>
                 </a:extLst>
               </a:tr>
-              <a:tr h="335507">
+              <a:tr h="290436">
                 <a:tc>
                   <a:txBody>
                     <a:bodyPr/>
@@ -4885,22 +4930,13 @@
                     <a:p>
                       <a:pPr algn="l"/>
                       <a:r>
-                        <a:rPr lang="en-US" sz="1000" b="0" u="sng" strike="noStrike" dirty="0" err="1">
-                          <a:solidFill>
-                            <a:schemeClr val="tx1"/>
-                          </a:solidFill>
-                          <a:effectLst/>
-                        </a:rPr>
-                        <a:t>Gauo</a:t>
-                      </a:r>
-                      <a:r>
                         <a:rPr lang="en-US" sz="1000" b="0" u="sng" strike="noStrike" dirty="0">
                           <a:solidFill>
                             <a:schemeClr val="tx1"/>
                           </a:solidFill>
                           <a:effectLst/>
                         </a:rPr>
-                        <a:t>…</a:t>
+                        <a:t>Gauo…</a:t>
                       </a:r>
                       <a:endParaRPr lang="en-US" sz="1000" b="0" u="sng" dirty="0">
                         <a:solidFill>
@@ -4923,7 +4959,7 @@
                     <a:p>
                       <a:pPr algn="l"/>
                       <a:r>
-                        <a:rPr lang="en-US" sz="1000" b="0">
+                        <a:rPr lang="en-US" sz="1000" b="0" dirty="0">
                           <a:effectLst/>
                         </a:rPr>
                         <a:t>ii-1</a:t>
@@ -5016,9 +5052,158 @@
                     </a:solidFill>
                   </a:tcPr>
                 </a:tc>
+                <a:tc>
+                  <a:txBody>
+                    <a:bodyPr/>
+                    <a:lstStyle/>
+                    <a:p>
+                      <a:pPr algn="l"/>
+                      <a:endParaRPr lang="en-US" sz="1000" b="0" dirty="0">
+                        <a:effectLst/>
+                      </a:endParaRPr>
+                    </a:p>
+                  </a:txBody>
+                  <a:tcPr marL="45720" marR="45720" marT="18288" marB="18288" anchor="ctr">
+                    <a:solidFill>
+                      <a:schemeClr val="bg1"/>
+                    </a:solidFill>
+                  </a:tcPr>
+                </a:tc>
                 <a:extLst>
                   <a:ext uri="{0D108BD9-81ED-4DB2-BD59-A6C34878D82A}">
                     <a16:rowId xmlns:a16="http://schemas.microsoft.com/office/drawing/2014/main" val="81513427"/>
+                  </a:ext>
+                </a:extLst>
+              </a:tr>
+              <a:tr h="290436">
+                <a:tc>
+                  <a:txBody>
+                    <a:bodyPr/>
+                    <a:lstStyle/>
+                    <a:p>
+                      <a:pPr algn="l"/>
+                      <a:r>
+                        <a:rPr lang="en-US" sz="1400" b="0" u="none" dirty="0">
+                          <a:solidFill>
+                            <a:schemeClr val="tx1"/>
+                          </a:solidFill>
+                          <a:effectLst/>
+                        </a:rPr>
+                        <a:t>…</a:t>
+                      </a:r>
+                    </a:p>
+                  </a:txBody>
+                  <a:tcPr marL="45720" marR="45720" marT="18288" marB="18288" anchor="ctr">
+                    <a:solidFill>
+                      <a:schemeClr val="bg1"/>
+                    </a:solidFill>
+                  </a:tcPr>
+                </a:tc>
+                <a:tc>
+                  <a:txBody>
+                    <a:bodyPr/>
+                    <a:lstStyle/>
+                    <a:p>
+                      <a:pPr algn="l"/>
+                      <a:endParaRPr lang="en-US" sz="100" b="0" dirty="0">
+                        <a:effectLst/>
+                      </a:endParaRPr>
+                    </a:p>
+                  </a:txBody>
+                  <a:tcPr marL="45720" marR="45720" marT="18288" marB="18288" anchor="ctr">
+                    <a:solidFill>
+                      <a:schemeClr val="bg1"/>
+                    </a:solidFill>
+                  </a:tcPr>
+                </a:tc>
+                <a:tc>
+                  <a:txBody>
+                    <a:bodyPr/>
+                    <a:lstStyle/>
+                    <a:p>
+                      <a:pPr algn="l"/>
+                      <a:endParaRPr lang="en-US" sz="100" b="0" dirty="0">
+                        <a:effectLst/>
+                      </a:endParaRPr>
+                    </a:p>
+                  </a:txBody>
+                  <a:tcPr marL="45720" marR="45720" marT="18288" marB="18288" anchor="ctr">
+                    <a:solidFill>
+                      <a:schemeClr val="bg1"/>
+                    </a:solidFill>
+                  </a:tcPr>
+                </a:tc>
+                <a:tc>
+                  <a:txBody>
+                    <a:bodyPr/>
+                    <a:lstStyle/>
+                    <a:p>
+                      <a:pPr algn="l"/>
+                      <a:endParaRPr lang="en-US" sz="100" b="0" dirty="0">
+                        <a:effectLst/>
+                      </a:endParaRPr>
+                    </a:p>
+                  </a:txBody>
+                  <a:tcPr marL="45720" marR="45720" marT="18288" marB="18288" anchor="ctr">
+                    <a:solidFill>
+                      <a:schemeClr val="bg1"/>
+                    </a:solidFill>
+                  </a:tcPr>
+                </a:tc>
+                <a:tc>
+                  <a:txBody>
+                    <a:bodyPr/>
+                    <a:lstStyle/>
+                    <a:p>
+                      <a:pPr algn="l"/>
+                      <a:endParaRPr lang="en-US" sz="100" b="0" dirty="0">
+                        <a:effectLst/>
+                      </a:endParaRPr>
+                    </a:p>
+                  </a:txBody>
+                  <a:tcPr marL="45720" marR="45720" marT="18288" marB="18288" anchor="ctr">
+                    <a:solidFill>
+                      <a:schemeClr val="bg1"/>
+                    </a:solidFill>
+                  </a:tcPr>
+                </a:tc>
+                <a:tc>
+                  <a:txBody>
+                    <a:bodyPr/>
+                    <a:lstStyle/>
+                    <a:p>
+                      <a:pPr algn="l"/>
+                      <a:endParaRPr lang="en-US" sz="100" b="0" dirty="0">
+                        <a:effectLst/>
+                      </a:endParaRPr>
+                    </a:p>
+                  </a:txBody>
+                  <a:tcPr marL="45720" marR="45720" marT="18288" marB="18288" anchor="ctr">
+                    <a:solidFill>
+                      <a:schemeClr val="bg1"/>
+                    </a:solidFill>
+                  </a:tcPr>
+                </a:tc>
+                <a:tc>
+                  <a:txBody>
+                    <a:bodyPr/>
+                    <a:lstStyle/>
+                    <a:p>
+                      <a:pPr algn="l"/>
+                      <a:endParaRPr lang="en-US" sz="100" b="0" dirty="0">
+                        <a:effectLst/>
+                      </a:endParaRPr>
+                    </a:p>
+                  </a:txBody>
+                  <a:tcPr marL="45720" marR="45720" marT="18288" marB="18288" anchor="ctr">
+                    <a:solidFill>
+                      <a:schemeClr val="bg1"/>
+                    </a:solidFill>
+                  </a:tcPr>
+                </a:tc>
+                <a:extLst>
+                  <a:ext uri="{0D108BD9-81ED-4DB2-BD59-A6C34878D82A}">
+                    <a16:rowId xmlns:a16="http://schemas.microsoft.com/office/drawing/2014/main" val="3339952404"/>
                   </a:ext>
                 </a:extLst>
               </a:tr>
